--- a/Pitch Slide.pptx
+++ b/Pitch Slide.pptx
@@ -6030,11 +6030,6 @@
               </a:rPr>
               <a:t>Umfangreiches Optionsmenü</a:t>
             </a:r>
-            <a:endParaRPr lang="de-DE" sz="2800" b="1" dirty="0" smtClean="0">
-              <a:latin typeface="Segoe UI Light" panose="020B0502040204020203" pitchFamily="34" charset="0"/>
-              <a:ea typeface="Segoe UI" panose="020B0502040204020203" pitchFamily="34" charset="0"/>
-              <a:cs typeface="Segoe UI" panose="020B0502040204020203" pitchFamily="34" charset="0"/>
-            </a:endParaRPr>
           </a:p>
           <a:p>
             <a:pPr>
@@ -6061,7 +6056,7 @@
                 <a:ea typeface="Segoe UI" panose="020B0502040204020203" pitchFamily="34" charset="0"/>
                 <a:cs typeface="Segoe UI" panose="020B0502040204020203" pitchFamily="34" charset="0"/>
               </a:rPr>
-              <a:t> </a:t>
+              <a:t> mit weiteren </a:t>
             </a:r>
             <a:r>
               <a:rPr lang="de-DE" sz="2800" dirty="0" smtClean="0">
@@ -6069,16 +6064,13 @@
                 <a:ea typeface="Segoe UI" panose="020B0502040204020203" pitchFamily="34" charset="0"/>
                 <a:cs typeface="Segoe UI" panose="020B0502040204020203" pitchFamily="34" charset="0"/>
               </a:rPr>
-              <a:t>mit </a:t>
-            </a:r>
-            <a:r>
-              <a:rPr lang="de-DE" sz="2800" dirty="0" smtClean="0">
-                <a:latin typeface="Segoe UI Light" panose="020B0502040204020203" pitchFamily="34" charset="0"/>
-                <a:ea typeface="Segoe UI" panose="020B0502040204020203" pitchFamily="34" charset="0"/>
-                <a:cs typeface="Segoe UI" panose="020B0502040204020203" pitchFamily="34" charset="0"/>
-              </a:rPr>
-              <a:t>weiteren Downloadoption</a:t>
-            </a:r>
+              <a:t>Downloadoptionen</a:t>
+            </a:r>
+            <a:endParaRPr lang="de-DE" sz="2800" dirty="0" smtClean="0">
+              <a:latin typeface="Segoe UI Light" panose="020B0502040204020203" pitchFamily="34" charset="0"/>
+              <a:ea typeface="Segoe UI" panose="020B0502040204020203" pitchFamily="34" charset="0"/>
+              <a:cs typeface="Segoe UI" panose="020B0502040204020203" pitchFamily="34" charset="0"/>
+            </a:endParaRPr>
           </a:p>
         </p:txBody>
       </p:sp>
@@ -7326,7 +7318,7 @@
   <a:extraClrSchemeLst/>
   <a:extLst>
     <a:ext uri="{05A4C25C-085E-4340-85A3-A5531E510DB2}">
-      <thm15:themeFamily xmlns:thm15="http://schemas.microsoft.com/office/thememl/2012/main" xmlns="" name="Facet" id="{C0C680CD-088A-49FC-A102-D699147F32B2}" vid="{8C59B386-999D-4CB6-B907-9F3997C027CC}"/>
+      <thm15:themeFamily xmlns="" xmlns:thm15="http://schemas.microsoft.com/office/thememl/2012/main" name="Facet" id="{C0C680CD-088A-49FC-A102-D699147F32B2}" vid="{8C59B386-999D-4CB6-B907-9F3997C027CC}"/>
     </a:ext>
   </a:extLst>
 </a:theme>

--- a/Pitch Slide.pptx
+++ b/Pitch Slide.pptx
@@ -5954,25 +5954,17 @@
                 <a:ea typeface="Segoe UI" panose="020B0502040204020203" pitchFamily="34" charset="0"/>
                 <a:cs typeface="Segoe UI" panose="020B0502040204020203" pitchFamily="34" charset="0"/>
               </a:rPr>
-              <a:t>Integrierter </a:t>
-            </a:r>
-            <a:r>
-              <a:rPr lang="de-DE" sz="2800" b="1" dirty="0" smtClean="0">
-                <a:latin typeface="Segoe UI Light" panose="020B0502040204020203" pitchFamily="34" charset="0"/>
-                <a:ea typeface="Segoe UI" panose="020B0502040204020203" pitchFamily="34" charset="0"/>
-                <a:cs typeface="Segoe UI" panose="020B0502040204020203" pitchFamily="34" charset="0"/>
-              </a:rPr>
-              <a:t>Stage-</a:t>
-            </a:r>
-            <a:r>
-              <a:rPr lang="de-DE" sz="2800" b="1" dirty="0" err="1" smtClean="0">
+              <a:t>Integrierter Stage-</a:t>
+            </a:r>
+            <a:r>
+              <a:rPr lang="de-DE" sz="2800" dirty="0" err="1" smtClean="0">
                 <a:latin typeface="Segoe UI Light" panose="020B0502040204020203" pitchFamily="34" charset="0"/>
                 <a:ea typeface="Segoe UI" panose="020B0502040204020203" pitchFamily="34" charset="0"/>
                 <a:cs typeface="Segoe UI" panose="020B0502040204020203" pitchFamily="34" charset="0"/>
               </a:rPr>
               <a:t>Builder</a:t>
             </a:r>
-            <a:endParaRPr lang="de-DE" sz="2800" b="1" dirty="0" smtClean="0">
+            <a:endParaRPr lang="de-DE" sz="2800" dirty="0" smtClean="0">
               <a:latin typeface="Segoe UI Light" panose="020B0502040204020203" pitchFamily="34" charset="0"/>
               <a:ea typeface="Segoe UI" panose="020B0502040204020203" pitchFamily="34" charset="0"/>
               <a:cs typeface="Segoe UI" panose="020B0502040204020203" pitchFamily="34" charset="0"/>
@@ -5998,14 +5990,14 @@
               <a:t>Speichern der </a:t>
             </a:r>
             <a:r>
-              <a:rPr lang="de-DE" sz="2800" b="1" dirty="0" err="1" smtClean="0">
+              <a:rPr lang="de-DE" sz="2800" dirty="0" err="1" smtClean="0">
                 <a:latin typeface="Segoe UI Light" panose="020B0502040204020203" pitchFamily="34" charset="0"/>
                 <a:ea typeface="Segoe UI" panose="020B0502040204020203" pitchFamily="34" charset="0"/>
                 <a:cs typeface="Segoe UI" panose="020B0502040204020203" pitchFamily="34" charset="0"/>
               </a:rPr>
               <a:t>Highscores</a:t>
             </a:r>
-            <a:endParaRPr lang="de-DE" sz="2800" b="1" dirty="0" smtClean="0">
+            <a:endParaRPr lang="de-DE" sz="2800" dirty="0" smtClean="0">
               <a:latin typeface="Segoe UI Light" panose="020B0502040204020203" pitchFamily="34" charset="0"/>
               <a:ea typeface="Segoe UI" panose="020B0502040204020203" pitchFamily="34" charset="0"/>
               <a:cs typeface="Segoe UI" panose="020B0502040204020203" pitchFamily="34" charset="0"/>
@@ -6023,12 +6015,20 @@
               <a:buChar char="•"/>
             </a:pPr>
             <a:r>
-              <a:rPr lang="de-DE" sz="2800" b="1" dirty="0" smtClean="0">
+              <a:rPr lang="de-DE" sz="2800" dirty="0" smtClean="0">
                 <a:latin typeface="Segoe UI Light" panose="020B0502040204020203" pitchFamily="34" charset="0"/>
                 <a:ea typeface="Segoe UI" panose="020B0502040204020203" pitchFamily="34" charset="0"/>
                 <a:cs typeface="Segoe UI" panose="020B0502040204020203" pitchFamily="34" charset="0"/>
               </a:rPr>
-              <a:t>Umfangreiches Optionsmenü</a:t>
+              <a:t>Umfangreiches </a:t>
+            </a:r>
+            <a:r>
+              <a:rPr lang="de-DE" sz="2800" dirty="0" smtClean="0">
+                <a:latin typeface="Segoe UI Light" panose="020B0502040204020203" pitchFamily="34" charset="0"/>
+                <a:ea typeface="Segoe UI" panose="020B0502040204020203" pitchFamily="34" charset="0"/>
+                <a:cs typeface="Segoe UI" panose="020B0502040204020203" pitchFamily="34" charset="0"/>
+              </a:rPr>
+              <a:t>Optionsmenü</a:t>
             </a:r>
           </a:p>
           <a:p>
@@ -6044,27 +6044,11 @@
             </a:pPr>
             <a:r>
               <a:rPr lang="de-DE" sz="2800" dirty="0" smtClean="0">
-                <a:latin typeface="Segoe UI" panose="020B0502040204020203" pitchFamily="34" charset="0"/>
-                <a:ea typeface="Segoe UI" panose="020B0502040204020203" pitchFamily="34" charset="0"/>
-                <a:cs typeface="Segoe UI" panose="020B0502040204020203" pitchFamily="34" charset="0"/>
-              </a:rPr>
-              <a:t>Webseite</a:t>
-            </a:r>
-            <a:r>
-              <a:rPr lang="de-DE" sz="2800" dirty="0" smtClean="0">
                 <a:latin typeface="Segoe UI Light" panose="020B0502040204020203" pitchFamily="34" charset="0"/>
                 <a:ea typeface="Segoe UI" panose="020B0502040204020203" pitchFamily="34" charset="0"/>
                 <a:cs typeface="Segoe UI" panose="020B0502040204020203" pitchFamily="34" charset="0"/>
               </a:rPr>
-              <a:t> mit weiteren </a:t>
-            </a:r>
-            <a:r>
-              <a:rPr lang="de-DE" sz="2800" dirty="0" smtClean="0">
-                <a:latin typeface="Segoe UI Light" panose="020B0502040204020203" pitchFamily="34" charset="0"/>
-                <a:ea typeface="Segoe UI" panose="020B0502040204020203" pitchFamily="34" charset="0"/>
-                <a:cs typeface="Segoe UI" panose="020B0502040204020203" pitchFamily="34" charset="0"/>
-              </a:rPr>
-              <a:t>Downloadoptionen</a:t>
+              <a:t>Webseite mit weiteren Downloadoptionen</a:t>
             </a:r>
             <a:endParaRPr lang="de-DE" sz="2800" dirty="0" smtClean="0">
               <a:latin typeface="Segoe UI Light" panose="020B0502040204020203" pitchFamily="34" charset="0"/>
@@ -7318,7 +7302,7 @@
   <a:extraClrSchemeLst/>
   <a:extLst>
     <a:ext uri="{05A4C25C-085E-4340-85A3-A5531E510DB2}">
-      <thm15:themeFamily xmlns="" xmlns:thm15="http://schemas.microsoft.com/office/thememl/2012/main" name="Facet" id="{C0C680CD-088A-49FC-A102-D699147F32B2}" vid="{8C59B386-999D-4CB6-B907-9F3997C027CC}"/>
+      <thm15:themeFamily xmlns:thm15="http://schemas.microsoft.com/office/thememl/2012/main" xmlns="" name="Facet" id="{C0C680CD-088A-49FC-A102-D699147F32B2}" vid="{8C59B386-999D-4CB6-B907-9F3997C027CC}"/>
     </a:ext>
   </a:extLst>
 </a:theme>
